--- a/03_Marketing Collateral/Solution Overviews/Hunna Datasheet v2.3.pptx
+++ b/03_Marketing Collateral/Solution Overviews/Hunna Datasheet v2.3.pptx
@@ -232,7 +232,7 @@
           <a:p>
             <a:fld id="{FF3E4DB2-1484-452A-8BB2-4452CCFA36DF}" type="datetimeFigureOut">
               <a:rPr lang="en-GB" smtClean="0"/>
-              <a:t>05/10/2020</a:t>
+              <a:t>12/10/2020</a:t>
             </a:fld>
             <a:endParaRPr lang="en-GB"/>
           </a:p>
@@ -720,7 +720,7 @@
           <a:p>
             <a:fld id="{959C5E09-DADB-412E-AFF7-ABAC566D0A51}" type="datetimeFigureOut">
               <a:rPr lang="en-US" smtClean="0"/>
-              <a:t>10/5/2020</a:t>
+              <a:t>10/12/2020</a:t>
             </a:fld>
             <a:endParaRPr lang="en-US"/>
           </a:p>
@@ -890,7 +890,7 @@
           <a:p>
             <a:fld id="{959C5E09-DADB-412E-AFF7-ABAC566D0A51}" type="datetimeFigureOut">
               <a:rPr lang="en-US" smtClean="0"/>
-              <a:t>10/5/2020</a:t>
+              <a:t>10/12/2020</a:t>
             </a:fld>
             <a:endParaRPr lang="en-US"/>
           </a:p>
@@ -1070,7 +1070,7 @@
           <a:p>
             <a:fld id="{959C5E09-DADB-412E-AFF7-ABAC566D0A51}" type="datetimeFigureOut">
               <a:rPr lang="en-US" smtClean="0"/>
-              <a:t>10/5/2020</a:t>
+              <a:t>10/12/2020</a:t>
             </a:fld>
             <a:endParaRPr lang="en-US"/>
           </a:p>
@@ -1240,7 +1240,7 @@
           <a:p>
             <a:fld id="{959C5E09-DADB-412E-AFF7-ABAC566D0A51}" type="datetimeFigureOut">
               <a:rPr lang="en-US" smtClean="0"/>
-              <a:t>10/5/2020</a:t>
+              <a:t>10/12/2020</a:t>
             </a:fld>
             <a:endParaRPr lang="en-US"/>
           </a:p>
@@ -1484,7 +1484,7 @@
           <a:p>
             <a:fld id="{959C5E09-DADB-412E-AFF7-ABAC566D0A51}" type="datetimeFigureOut">
               <a:rPr lang="en-US" smtClean="0"/>
-              <a:t>10/5/2020</a:t>
+              <a:t>10/12/2020</a:t>
             </a:fld>
             <a:endParaRPr lang="en-US"/>
           </a:p>
@@ -1716,7 +1716,7 @@
           <a:p>
             <a:fld id="{959C5E09-DADB-412E-AFF7-ABAC566D0A51}" type="datetimeFigureOut">
               <a:rPr lang="en-US" smtClean="0"/>
-              <a:t>10/5/2020</a:t>
+              <a:t>10/12/2020</a:t>
             </a:fld>
             <a:endParaRPr lang="en-US"/>
           </a:p>
@@ -2083,7 +2083,7 @@
           <a:p>
             <a:fld id="{959C5E09-DADB-412E-AFF7-ABAC566D0A51}" type="datetimeFigureOut">
               <a:rPr lang="en-US" smtClean="0"/>
-              <a:t>10/5/2020</a:t>
+              <a:t>10/12/2020</a:t>
             </a:fld>
             <a:endParaRPr lang="en-US"/>
           </a:p>
@@ -2201,7 +2201,7 @@
           <a:p>
             <a:fld id="{959C5E09-DADB-412E-AFF7-ABAC566D0A51}" type="datetimeFigureOut">
               <a:rPr lang="en-US" smtClean="0"/>
-              <a:t>10/5/2020</a:t>
+              <a:t>10/12/2020</a:t>
             </a:fld>
             <a:endParaRPr lang="en-US"/>
           </a:p>
@@ -2296,7 +2296,7 @@
           <a:p>
             <a:fld id="{959C5E09-DADB-412E-AFF7-ABAC566D0A51}" type="datetimeFigureOut">
               <a:rPr lang="en-US" smtClean="0"/>
-              <a:t>10/5/2020</a:t>
+              <a:t>10/12/2020</a:t>
             </a:fld>
             <a:endParaRPr lang="en-US"/>
           </a:p>
@@ -2573,7 +2573,7 @@
           <a:p>
             <a:fld id="{959C5E09-DADB-412E-AFF7-ABAC566D0A51}" type="datetimeFigureOut">
               <a:rPr lang="en-US" smtClean="0"/>
-              <a:t>10/5/2020</a:t>
+              <a:t>10/12/2020</a:t>
             </a:fld>
             <a:endParaRPr lang="en-US"/>
           </a:p>
@@ -2830,7 +2830,7 @@
           <a:p>
             <a:fld id="{959C5E09-DADB-412E-AFF7-ABAC566D0A51}" type="datetimeFigureOut">
               <a:rPr lang="en-US" smtClean="0"/>
-              <a:t>10/5/2020</a:t>
+              <a:t>10/12/2020</a:t>
             </a:fld>
             <a:endParaRPr lang="en-US"/>
           </a:p>
@@ -3043,7 +3043,7 @@
           <a:p>
             <a:fld id="{959C5E09-DADB-412E-AFF7-ABAC566D0A51}" type="datetimeFigureOut">
               <a:rPr lang="en-US" smtClean="0"/>
-              <a:t>10/5/2020</a:t>
+              <a:t>10/12/2020</a:t>
             </a:fld>
             <a:endParaRPr lang="en-US"/>
           </a:p>
@@ -5516,7 +5516,7 @@
                 <a:ea typeface="Lato" panose="020F0502020204030203" pitchFamily="34" charset="0"/>
                 <a:cs typeface="Lato" panose="020F0502020204030203" pitchFamily="34" charset="0"/>
               </a:rPr>
-              <a:t>Support for the Most Widley Used File Types</a:t>
+              <a:t>Support for the Most Widely Used File Types</a:t>
             </a:r>
           </a:p>
         </p:txBody>
